--- a/Face Security.pptx
+++ b/Face Security.pptx
@@ -12,8 +12,9 @@
     <p:sldId id="269" r:id="rId6"/>
     <p:sldId id="268" r:id="rId7"/>
     <p:sldId id="264" r:id="rId8"/>
-    <p:sldId id="267" r:id="rId9"/>
-    <p:sldId id="271" r:id="rId10"/>
+    <p:sldId id="272" r:id="rId9"/>
+    <p:sldId id="267" r:id="rId10"/>
+    <p:sldId id="271" r:id="rId11"/>
   </p:sldIdLst>
   <p:sldSz cx="12192000" cy="6858000"/>
   <p:notesSz cx="6858000" cy="9144000"/>
@@ -739,7 +740,7 @@
           <a:p>
             <a:fld id="{845DD51C-7014-4F1A-9213-9278BFE0D149}" type="datetimeFigureOut">
               <a:rPr lang="en-IN" smtClean="0"/>
-              <a:t>16-04-2024</a:t>
+              <a:t>06-06-2024</a:t>
             </a:fld>
             <a:endParaRPr lang="en-IN"/>
           </a:p>
@@ -909,7 +910,7 @@
           <a:p>
             <a:fld id="{845DD51C-7014-4F1A-9213-9278BFE0D149}" type="datetimeFigureOut">
               <a:rPr lang="en-IN" smtClean="0"/>
-              <a:t>16-04-2024</a:t>
+              <a:t>06-06-2024</a:t>
             </a:fld>
             <a:endParaRPr lang="en-IN"/>
           </a:p>
@@ -1089,7 +1090,7 @@
           <a:p>
             <a:fld id="{845DD51C-7014-4F1A-9213-9278BFE0D149}" type="datetimeFigureOut">
               <a:rPr lang="en-IN" smtClean="0"/>
-              <a:t>16-04-2024</a:t>
+              <a:t>06-06-2024</a:t>
             </a:fld>
             <a:endParaRPr lang="en-IN"/>
           </a:p>
@@ -1259,7 +1260,7 @@
           <a:p>
             <a:fld id="{845DD51C-7014-4F1A-9213-9278BFE0D149}" type="datetimeFigureOut">
               <a:rPr lang="en-IN" smtClean="0"/>
-              <a:t>16-04-2024</a:t>
+              <a:t>06-06-2024</a:t>
             </a:fld>
             <a:endParaRPr lang="en-IN"/>
           </a:p>
@@ -1505,7 +1506,7 @@
           <a:p>
             <a:fld id="{845DD51C-7014-4F1A-9213-9278BFE0D149}" type="datetimeFigureOut">
               <a:rPr lang="en-IN" smtClean="0"/>
-              <a:t>16-04-2024</a:t>
+              <a:t>06-06-2024</a:t>
             </a:fld>
             <a:endParaRPr lang="en-IN"/>
           </a:p>
@@ -1737,7 +1738,7 @@
           <a:p>
             <a:fld id="{845DD51C-7014-4F1A-9213-9278BFE0D149}" type="datetimeFigureOut">
               <a:rPr lang="en-IN" smtClean="0"/>
-              <a:t>16-04-2024</a:t>
+              <a:t>06-06-2024</a:t>
             </a:fld>
             <a:endParaRPr lang="en-IN"/>
           </a:p>
@@ -2104,7 +2105,7 @@
           <a:p>
             <a:fld id="{845DD51C-7014-4F1A-9213-9278BFE0D149}" type="datetimeFigureOut">
               <a:rPr lang="en-IN" smtClean="0"/>
-              <a:t>16-04-2024</a:t>
+              <a:t>06-06-2024</a:t>
             </a:fld>
             <a:endParaRPr lang="en-IN"/>
           </a:p>
@@ -2222,7 +2223,7 @@
           <a:p>
             <a:fld id="{845DD51C-7014-4F1A-9213-9278BFE0D149}" type="datetimeFigureOut">
               <a:rPr lang="en-IN" smtClean="0"/>
-              <a:t>16-04-2024</a:t>
+              <a:t>06-06-2024</a:t>
             </a:fld>
             <a:endParaRPr lang="en-IN"/>
           </a:p>
@@ -2317,7 +2318,7 @@
           <a:p>
             <a:fld id="{845DD51C-7014-4F1A-9213-9278BFE0D149}" type="datetimeFigureOut">
               <a:rPr lang="en-IN" smtClean="0"/>
-              <a:t>16-04-2024</a:t>
+              <a:t>06-06-2024</a:t>
             </a:fld>
             <a:endParaRPr lang="en-IN"/>
           </a:p>
@@ -2594,7 +2595,7 @@
           <a:p>
             <a:fld id="{845DD51C-7014-4F1A-9213-9278BFE0D149}" type="datetimeFigureOut">
               <a:rPr lang="en-IN" smtClean="0"/>
-              <a:t>16-04-2024</a:t>
+              <a:t>06-06-2024</a:t>
             </a:fld>
             <a:endParaRPr lang="en-IN"/>
           </a:p>
@@ -2847,7 +2848,7 @@
           <a:p>
             <a:fld id="{845DD51C-7014-4F1A-9213-9278BFE0D149}" type="datetimeFigureOut">
               <a:rPr lang="en-IN" smtClean="0"/>
-              <a:t>16-04-2024</a:t>
+              <a:t>06-06-2024</a:t>
             </a:fld>
             <a:endParaRPr lang="en-IN"/>
           </a:p>
@@ -3075,7 +3076,7 @@
           <a:p>
             <a:fld id="{845DD51C-7014-4F1A-9213-9278BFE0D149}" type="datetimeFigureOut">
               <a:rPr lang="en-IN" smtClean="0"/>
-              <a:t>16-04-2024</a:t>
+              <a:t>06-06-2024</a:t>
             </a:fld>
             <a:endParaRPr lang="en-IN"/>
           </a:p>
@@ -3564,7 +3565,7 @@
                 <a:latin typeface="Times New Roman" panose="02020603050405020304" pitchFamily="18" charset="0"/>
                 <a:cs typeface="Times New Roman" panose="02020603050405020304" pitchFamily="18" charset="0"/>
               </a:rPr>
-              <a:t> Facial Security Alert System </a:t>
+              <a:t> Smart Guard: Facial Security Alert System </a:t>
             </a:r>
             <a:endParaRPr lang="en-IN" sz="4000" dirty="0">
               <a:effectLst>
@@ -3844,6 +3845,156 @@
 </p:sld>
 </file>
 
+<file path=ppt/slides/slide10.xml><?xml version="1.0" encoding="utf-8"?>
+<p:sld xmlns:a="http://schemas.openxmlformats.org/drawingml/2006/main" xmlns:r="http://schemas.openxmlformats.org/officeDocument/2006/relationships" xmlns:p="http://schemas.openxmlformats.org/presentationml/2006/main">
+  <p:cSld>
+    <p:spTree>
+      <p:nvGrpSpPr>
+        <p:cNvPr id="1" name=""/>
+        <p:cNvGrpSpPr/>
+        <p:nvPr/>
+      </p:nvGrpSpPr>
+      <p:grpSpPr>
+        <a:xfrm>
+          <a:off x="0" y="0"/>
+          <a:ext cx="0" cy="0"/>
+          <a:chOff x="0" y="0"/>
+          <a:chExt cx="0" cy="0"/>
+        </a:xfrm>
+      </p:grpSpPr>
+      <p:sp>
+        <p:nvSpPr>
+          <p:cNvPr id="5" name="TextBox 4">
+            <a:extLst>
+              <a:ext uri="{FF2B5EF4-FFF2-40B4-BE49-F238E27FC236}">
+                <a16:creationId xmlns:a16="http://schemas.microsoft.com/office/drawing/2014/main" id="{6B69E958-05D6-EB01-13EA-001A9D884F8D}"/>
+              </a:ext>
+            </a:extLst>
+          </p:cNvPr>
+          <p:cNvSpPr txBox="1"/>
+          <p:nvPr/>
+        </p:nvSpPr>
+        <p:spPr>
+          <a:xfrm>
+            <a:off x="421341" y="2059096"/>
+            <a:ext cx="11349318" cy="3331938"/>
+          </a:xfrm>
+          <a:prstGeom prst="rect">
+            <a:avLst/>
+          </a:prstGeom>
+          <a:noFill/>
+        </p:spPr>
+        <p:txBody>
+          <a:bodyPr wrap="square">
+            <a:spAutoFit/>
+          </a:bodyPr>
+          <a:lstStyle/>
+          <a:p>
+            <a:pPr marL="285750" indent="-285750" algn="just">
+              <a:lnSpc>
+                <a:spcPct val="200000"/>
+              </a:lnSpc>
+              <a:buFont typeface="Wingdings" panose="05000000000000000000" pitchFamily="2" charset="2"/>
+              <a:buChar char="Ø"/>
+            </a:pPr>
+            <a:r>
+              <a:rPr lang="en-US" dirty="0">
+                <a:latin typeface="Times New Roman" panose="02020603050405020304" pitchFamily="18" charset="0"/>
+                <a:cs typeface="Times New Roman" panose="02020603050405020304" pitchFamily="18" charset="0"/>
+              </a:rPr>
+              <a:t> AI-based security alert system  has proven to be a highly effective and efficient tool for enhancing security measures in various settings. </a:t>
+            </a:r>
+          </a:p>
+          <a:p>
+            <a:pPr marL="285750" indent="-285750" algn="just">
+              <a:lnSpc>
+                <a:spcPct val="200000"/>
+              </a:lnSpc>
+              <a:buFont typeface="Wingdings" panose="05000000000000000000" pitchFamily="2" charset="2"/>
+              <a:buChar char="Ø"/>
+            </a:pPr>
+            <a:r>
+              <a:rPr lang="en-US" dirty="0">
+                <a:latin typeface="Times New Roman" panose="02020603050405020304" pitchFamily="18" charset="0"/>
+                <a:cs typeface="Times New Roman" panose="02020603050405020304" pitchFamily="18" charset="0"/>
+              </a:rPr>
+              <a:t>The system is able to accurately identify individuals through facial recognition technology and generate real-time alerts based on pre-defined parameters.</a:t>
+            </a:r>
+          </a:p>
+          <a:p>
+            <a:pPr marL="285750" indent="-285750" algn="just">
+              <a:lnSpc>
+                <a:spcPct val="200000"/>
+              </a:lnSpc>
+              <a:buFont typeface="Wingdings" panose="05000000000000000000" pitchFamily="2" charset="2"/>
+              <a:buChar char="Ø"/>
+            </a:pPr>
+            <a:r>
+              <a:rPr lang="en-US" dirty="0">
+                <a:latin typeface="Times New Roman" panose="02020603050405020304" pitchFamily="18" charset="0"/>
+                <a:cs typeface="Times New Roman" panose="02020603050405020304" pitchFamily="18" charset="0"/>
+              </a:rPr>
+              <a:t>This technology has the potential to greatly improve security protocols by providing instant notifications of potential threats allowing for quick action to be taken. </a:t>
+            </a:r>
+          </a:p>
+        </p:txBody>
+      </p:sp>
+      <p:sp>
+        <p:nvSpPr>
+          <p:cNvPr id="9" name="Title 1">
+            <a:extLst>
+              <a:ext uri="{FF2B5EF4-FFF2-40B4-BE49-F238E27FC236}">
+                <a16:creationId xmlns:a16="http://schemas.microsoft.com/office/drawing/2014/main" id="{9DE7DF26-ACB0-CAE8-A630-1D804295F6AC}"/>
+              </a:ext>
+            </a:extLst>
+          </p:cNvPr>
+          <p:cNvSpPr>
+            <a:spLocks noGrp="1"/>
+          </p:cNvSpPr>
+          <p:nvPr>
+            <p:ph type="title"/>
+          </p:nvPr>
+        </p:nvSpPr>
+        <p:spPr>
+          <a:xfrm>
+            <a:off x="0" y="-98621"/>
+            <a:ext cx="12192000" cy="3086918"/>
+          </a:xfrm>
+        </p:spPr>
+        <p:txBody>
+          <a:bodyPr>
+            <a:normAutofit/>
+          </a:bodyPr>
+          <a:lstStyle/>
+          <a:p>
+            <a:pPr algn="ctr"/>
+            <a:r>
+              <a:rPr lang="en-US" sz="3000" b="1" dirty="0">
+                <a:latin typeface="Times New Roman" panose="02020603050405020304" pitchFamily="18" charset="0"/>
+                <a:cs typeface="Times New Roman" panose="02020603050405020304" pitchFamily="18" charset="0"/>
+              </a:rPr>
+              <a:t>CONCLUSION</a:t>
+            </a:r>
+            <a:endParaRPr lang="en-IN" sz="3000" b="1" dirty="0">
+              <a:latin typeface="Times New Roman" panose="02020603050405020304" pitchFamily="18" charset="0"/>
+              <a:cs typeface="Times New Roman" panose="02020603050405020304" pitchFamily="18" charset="0"/>
+            </a:endParaRPr>
+          </a:p>
+        </p:txBody>
+      </p:sp>
+    </p:spTree>
+    <p:extLst>
+      <p:ext uri="{BB962C8B-B14F-4D97-AF65-F5344CB8AC3E}">
+        <p14:creationId xmlns:p14="http://schemas.microsoft.com/office/powerpoint/2010/main" val="1027616094"/>
+      </p:ext>
+    </p:extLst>
+  </p:cSld>
+  <p:clrMapOvr>
+    <a:masterClrMapping/>
+  </p:clrMapOvr>
+</p:sld>
+</file>
+
 <file path=ppt/slides/slide2.xml><?xml version="1.0" encoding="utf-8"?>
 <p:sld xmlns:a="http://schemas.openxmlformats.org/drawingml/2006/main" xmlns:r="http://schemas.openxmlformats.org/officeDocument/2006/relationships" xmlns:p="http://schemas.openxmlformats.org/presentationml/2006/main">
   <p:cSld>
@@ -4087,7 +4238,7 @@
         <p:spPr>
           <a:xfrm>
             <a:off x="697584" y="2149311"/>
-            <a:ext cx="10652288" cy="2951064"/>
+            <a:ext cx="10652288" cy="2777940"/>
           </a:xfrm>
           <a:prstGeom prst="rect">
             <a:avLst/>
@@ -4100,17 +4251,51 @@
           </a:bodyPr>
           <a:lstStyle/>
           <a:p>
-            <a:pPr algn="just">
+            <a:pPr marL="285750" indent="-285750" algn="just">
               <a:lnSpc>
-                <a:spcPct val="150000"/>
+                <a:spcPct val="200000"/>
               </a:lnSpc>
+              <a:buFont typeface="Wingdings" panose="05000000000000000000" pitchFamily="2" charset="2"/>
+              <a:buChar char="Ø"/>
             </a:pPr>
             <a:r>
               <a:rPr lang="en-US" dirty="0">
                 <a:latin typeface="Times New Roman" panose="02020603050405020304" pitchFamily="18" charset="0"/>
                 <a:cs typeface="Times New Roman" panose="02020603050405020304" pitchFamily="18" charset="0"/>
               </a:rPr>
-              <a:t>In this project, we will utilize a machine learning tool called Teachable Machine to develop a facial security alert system. Teachable Machine allows us to train a model to recognize and classify different facial features using a dataset of images. By providing the model with images of different individuals, we can teach it to distinguish between them and trigger an alert when an unauthorized person is detected. The system will work by capturing live video feed from a camera and processing it through the trained model. If a match is found between the detected face and the stored images of authorized individuals, no action is taken. However, if an unauthorized face is detected, an alert will be triggered, notifying the appropriate authorities.</a:t>
+              <a:t> This face recognition security alert system can automatically detect and alert authorities of any unauthorized individuals attempting to gain access to restricted areas. </a:t>
+            </a:r>
+          </a:p>
+          <a:p>
+            <a:pPr marL="285750" indent="-285750" algn="just">
+              <a:lnSpc>
+                <a:spcPct val="200000"/>
+              </a:lnSpc>
+              <a:buFont typeface="Wingdings" panose="05000000000000000000" pitchFamily="2" charset="2"/>
+              <a:buChar char="Ø"/>
+            </a:pPr>
+            <a:r>
+              <a:rPr lang="en-US" dirty="0">
+                <a:latin typeface="Times New Roman" panose="02020603050405020304" pitchFamily="18" charset="0"/>
+                <a:cs typeface="Times New Roman" panose="02020603050405020304" pitchFamily="18" charset="0"/>
+              </a:rPr>
+              <a:t>This real-time monitoring  can help prevent security breaches and enhance overall safety.</a:t>
+            </a:r>
+          </a:p>
+          <a:p>
+            <a:pPr marL="285750" indent="-285750" algn="just">
+              <a:lnSpc>
+                <a:spcPct val="200000"/>
+              </a:lnSpc>
+              <a:buFont typeface="Wingdings" panose="05000000000000000000" pitchFamily="2" charset="2"/>
+              <a:buChar char="Ø"/>
+            </a:pPr>
+            <a:r>
+              <a:rPr lang="en-US" dirty="0">
+                <a:latin typeface="Times New Roman" panose="02020603050405020304" pitchFamily="18" charset="0"/>
+                <a:cs typeface="Times New Roman" panose="02020603050405020304" pitchFamily="18" charset="0"/>
+              </a:rPr>
+              <a:t>The AI-based face recognition system can store and analyze data on individuals, enabling better tracking and monitoring of suspicious activities. </a:t>
             </a:r>
           </a:p>
         </p:txBody>
@@ -4245,7 +4430,7 @@
         <p:spPr>
           <a:xfrm>
             <a:off x="1209304" y="2016993"/>
-            <a:ext cx="4164701" cy="873572"/>
+            <a:ext cx="4164701" cy="458074"/>
           </a:xfrm>
           <a:prstGeom prst="rect">
             <a:avLst/>
@@ -4262,36 +4447,30 @@
               <a:lnSpc>
                 <a:spcPct val="150000"/>
               </a:lnSpc>
-              <a:buFont typeface="Arial" panose="020B0604020202020204" pitchFamily="34" charset="0"/>
-              <a:buChar char="•"/>
+              <a:buFont typeface="Wingdings" panose="05000000000000000000" pitchFamily="2" charset="2"/>
+              <a:buChar char="Ø"/>
             </a:pPr>
             <a:r>
               <a:rPr lang="en-US" dirty="0">
                 <a:latin typeface="Times New Roman" panose="02020603050405020304" pitchFamily="18" charset="0"/>
                 <a:cs typeface="Times New Roman" panose="02020603050405020304" pitchFamily="18" charset="0"/>
               </a:rPr>
-              <a:t>Spyder version -5</a:t>
-            </a:r>
-          </a:p>
-          <a:p>
-            <a:pPr marL="285750" indent="-285750">
-              <a:lnSpc>
-                <a:spcPct val="150000"/>
-              </a:lnSpc>
-              <a:buFont typeface="Arial" panose="020B0604020202020204" pitchFamily="34" charset="0"/>
-              <a:buChar char="•"/>
-            </a:pPr>
+              <a:t>Jupyter </a:t>
+            </a:r>
+            <a:r>
+              <a:rPr lang="en-US" dirty="0" err="1">
+                <a:latin typeface="Times New Roman" panose="02020603050405020304" pitchFamily="18" charset="0"/>
+                <a:cs typeface="Times New Roman" panose="02020603050405020304" pitchFamily="18" charset="0"/>
+              </a:rPr>
+              <a:t>NotJupyter</a:t>
+            </a:r>
             <a:r>
               <a:rPr lang="en-US" dirty="0">
                 <a:latin typeface="Times New Roman" panose="02020603050405020304" pitchFamily="18" charset="0"/>
                 <a:cs typeface="Times New Roman" panose="02020603050405020304" pitchFamily="18" charset="0"/>
               </a:rPr>
-              <a:t>Teachable Machine</a:t>
-            </a:r>
-            <a:endParaRPr lang="en-IN" dirty="0">
-              <a:latin typeface="Times New Roman" panose="02020603050405020304" pitchFamily="18" charset="0"/>
-              <a:cs typeface="Times New Roman" panose="02020603050405020304" pitchFamily="18" charset="0"/>
-            </a:endParaRPr>
+              <a:t> Notebook</a:t>
+            </a:r>
           </a:p>
         </p:txBody>
       </p:sp>
@@ -4352,7 +4531,7 @@
         <p:spPr>
           <a:xfrm>
             <a:off x="1162830" y="4001631"/>
-            <a:ext cx="5841101" cy="1704569"/>
+            <a:ext cx="5841101" cy="2120068"/>
           </a:xfrm>
           <a:prstGeom prst="rect">
             <a:avLst/>
@@ -4410,6 +4589,22 @@
                 <a:cs typeface="Times New Roman" panose="02020603050405020304" pitchFamily="18" charset="0"/>
               </a:rPr>
               <a:t>OS		- Windows 7 or Later</a:t>
+            </a:r>
+          </a:p>
+          <a:p>
+            <a:pPr marL="285750" indent="-285750">
+              <a:lnSpc>
+                <a:spcPct val="150000"/>
+              </a:lnSpc>
+              <a:buFont typeface="Arial" panose="020B0604020202020204" pitchFamily="34" charset="0"/>
+              <a:buChar char="•"/>
+            </a:pPr>
+            <a:r>
+              <a:rPr lang="en-US" dirty="0">
+                <a:latin typeface="Times New Roman" panose="02020603050405020304" pitchFamily="18" charset="0"/>
+                <a:cs typeface="Times New Roman" panose="02020603050405020304" pitchFamily="18" charset="0"/>
+              </a:rPr>
+              <a:t>Web Camera</a:t>
             </a:r>
           </a:p>
           <a:p>
@@ -4472,7 +4667,7 @@
         <p:spPr>
           <a:xfrm>
             <a:off x="410134" y="1419912"/>
-            <a:ext cx="11506201" cy="1704569"/>
+            <a:ext cx="11506201" cy="2223942"/>
           </a:xfrm>
           <a:prstGeom prst="rect">
             <a:avLst/>
@@ -4485,10 +4680,12 @@
           </a:bodyPr>
           <a:lstStyle/>
           <a:p>
-            <a:pPr algn="just">
+            <a:pPr marL="285750" indent="-285750" algn="just">
               <a:lnSpc>
-                <a:spcPct val="150000"/>
+                <a:spcPct val="200000"/>
               </a:lnSpc>
+              <a:buFont typeface="Wingdings" panose="05000000000000000000" pitchFamily="2" charset="2"/>
+              <a:buChar char="Ø"/>
             </a:pPr>
             <a:r>
               <a:rPr lang="en-US" b="0" i="0" dirty="0">
@@ -4496,7 +4693,39 @@
                 <a:latin typeface="Times New Roman" panose="02020603050405020304" pitchFamily="18" charset="0"/>
                 <a:cs typeface="Times New Roman" panose="02020603050405020304" pitchFamily="18" charset="0"/>
               </a:rPr>
-              <a:t>The existing system for an facial security alert system typically includes a setup where cameras are placed in various locations to capture facial images. These images are then processed by an AI algorithm that compares them to a database of known faces to determine if there is a match. If a match is found, the system alerts security personnel to take appropriate action.</a:t>
+              <a:t> Traditional security systems such as locks and keys are no longer sufficient in preventing unauthorized access to sensitive areas. </a:t>
+            </a:r>
+          </a:p>
+          <a:p>
+            <a:pPr marL="285750" indent="-285750" algn="just">
+              <a:lnSpc>
+                <a:spcPct val="200000"/>
+              </a:lnSpc>
+              <a:buFont typeface="Wingdings" panose="05000000000000000000" pitchFamily="2" charset="2"/>
+              <a:buChar char="Ø"/>
+            </a:pPr>
+            <a:r>
+              <a:rPr lang="en-US" b="0" i="0" dirty="0">
+                <a:effectLst/>
+                <a:latin typeface="Times New Roman" panose="02020603050405020304" pitchFamily="18" charset="0"/>
+                <a:cs typeface="Times New Roman" panose="02020603050405020304" pitchFamily="18" charset="0"/>
+              </a:rPr>
+              <a:t>As a result, </a:t>
+            </a:r>
+            <a:r>
+              <a:rPr lang="en-US" dirty="0">
+                <a:latin typeface="Times New Roman" panose="02020603050405020304" pitchFamily="18" charset="0"/>
+                <a:cs typeface="Times New Roman" panose="02020603050405020304" pitchFamily="18" charset="0"/>
+              </a:rPr>
+              <a:t>o</a:t>
+            </a:r>
+            <a:r>
+              <a:rPr lang="en-US" b="0" i="0" dirty="0">
+                <a:effectLst/>
+                <a:latin typeface="Times New Roman" panose="02020603050405020304" pitchFamily="18" charset="0"/>
+                <a:cs typeface="Times New Roman" panose="02020603050405020304" pitchFamily="18" charset="0"/>
+              </a:rPr>
+              <a:t>ne such solution is the use of artificial intelligence (AI) based security alert systems using face recognition technology. </a:t>
             </a:r>
           </a:p>
         </p:txBody>
@@ -4576,7 +4805,7 @@
         </p:nvSpPr>
         <p:spPr>
           <a:xfrm>
-            <a:off x="410134" y="3429000"/>
+            <a:off x="410134" y="3592884"/>
             <a:ext cx="1833283" cy="369332"/>
           </a:xfrm>
           <a:prstGeom prst="rect">
@@ -4619,7 +4848,7 @@
         <p:spPr>
           <a:xfrm>
             <a:off x="410134" y="3992853"/>
-            <a:ext cx="11371732" cy="2535566"/>
+            <a:ext cx="11371732" cy="1669944"/>
           </a:xfrm>
           <a:prstGeom prst="rect">
             <a:avLst/>
@@ -4632,73 +4861,51 @@
           </a:bodyPr>
           <a:lstStyle/>
           <a:p>
-            <a:pPr algn="just">
+            <a:pPr marL="285750" indent="-285750" algn="just">
               <a:lnSpc>
-                <a:spcPct val="150000"/>
+                <a:spcPct val="200000"/>
               </a:lnSpc>
+              <a:buFont typeface="Wingdings" panose="05000000000000000000" pitchFamily="2" charset="2"/>
+              <a:buChar char="Ø"/>
             </a:pPr>
             <a:r>
-              <a:rPr lang="en-US" b="1" dirty="0">
+              <a:rPr lang="en-US" dirty="0">
                 <a:latin typeface="Times New Roman" panose="02020603050405020304" pitchFamily="18" charset="0"/>
                 <a:cs typeface="Times New Roman" panose="02020603050405020304" pitchFamily="18" charset="0"/>
               </a:rPr>
-              <a:t>1. Bias: </a:t>
-            </a:r>
-            <a:r>
-              <a:rPr lang="en-US" b="0" i="0" dirty="0">
-                <a:effectLst/>
+              <a:t>Lack of Remote Monitoring </a:t>
+            </a:r>
+          </a:p>
+          <a:p>
+            <a:pPr marL="285750" indent="-285750" algn="just">
+              <a:lnSpc>
+                <a:spcPct val="200000"/>
+              </a:lnSpc>
+              <a:buFont typeface="Wingdings" panose="05000000000000000000" pitchFamily="2" charset="2"/>
+              <a:buChar char="Ø"/>
+            </a:pPr>
+            <a:r>
+              <a:rPr lang="en-US" dirty="0">
                 <a:latin typeface="Times New Roman" panose="02020603050405020304" pitchFamily="18" charset="0"/>
                 <a:cs typeface="Times New Roman" panose="02020603050405020304" pitchFamily="18" charset="0"/>
               </a:rPr>
-              <a:t>AI algorithms can inherit the biases of the data they are trained on, which can result in discriminatory outcomes for certain groups of people.</a:t>
-            </a:r>
-            <a:endParaRPr lang="en-US" dirty="0">
-              <a:latin typeface="Times New Roman" panose="02020603050405020304" pitchFamily="18" charset="0"/>
-              <a:cs typeface="Times New Roman" panose="02020603050405020304" pitchFamily="18" charset="0"/>
-            </a:endParaRPr>
-          </a:p>
-          <a:p>
-            <a:pPr algn="just">
+              <a:t>Lack of Integration</a:t>
+            </a:r>
+          </a:p>
+          <a:p>
+            <a:pPr marL="285750" indent="-285750" algn="just">
               <a:lnSpc>
-                <a:spcPct val="150000"/>
+                <a:spcPct val="200000"/>
               </a:lnSpc>
+              <a:buFont typeface="Wingdings" panose="05000000000000000000" pitchFamily="2" charset="2"/>
+              <a:buChar char="Ø"/>
             </a:pPr>
             <a:r>
-              <a:rPr lang="en-US" b="1" dirty="0">
+              <a:rPr lang="en-US" dirty="0">
                 <a:latin typeface="Times New Roman" panose="02020603050405020304" pitchFamily="18" charset="0"/>
                 <a:cs typeface="Times New Roman" panose="02020603050405020304" pitchFamily="18" charset="0"/>
               </a:rPr>
-              <a:t>2. Privacy concerns: </a:t>
-            </a:r>
-            <a:r>
-              <a:rPr lang="en-US" b="0" i="0" dirty="0">
-                <a:effectLst/>
-                <a:latin typeface="Times New Roman" panose="02020603050405020304" pitchFamily="18" charset="0"/>
-                <a:cs typeface="Times New Roman" panose="02020603050405020304" pitchFamily="18" charset="0"/>
-              </a:rPr>
-              <a:t>The use of facial recognition technology raises significant privacy concerns, as individuals may not consent to having their faces scanned and stored in a database.</a:t>
-            </a:r>
-          </a:p>
-          <a:p>
-            <a:pPr algn="just">
-              <a:lnSpc>
-                <a:spcPct val="150000"/>
-              </a:lnSpc>
-            </a:pPr>
-            <a:r>
-              <a:rPr lang="en-US" b="1" dirty="0">
-                <a:latin typeface="Times New Roman" panose="02020603050405020304" pitchFamily="18" charset="0"/>
-                <a:cs typeface="Times New Roman" panose="02020603050405020304" pitchFamily="18" charset="0"/>
-              </a:rPr>
-              <a:t>3. Security vulnerabilities: </a:t>
-            </a:r>
-            <a:r>
-              <a:rPr lang="en-US" b="0" i="0" dirty="0">
-                <a:effectLst/>
-                <a:latin typeface="Times New Roman" panose="02020603050405020304" pitchFamily="18" charset="0"/>
-                <a:cs typeface="Times New Roman" panose="02020603050405020304" pitchFamily="18" charset="0"/>
-              </a:rPr>
-              <a:t>AI-based facial security alert systems may be vulnerable to hacking and manipulation, potentially leading to security breaches and unauthorized access.</a:t>
+              <a:t>Limited Customization</a:t>
             </a:r>
           </a:p>
         </p:txBody>
@@ -4785,7 +4992,7 @@
         <p:spPr>
           <a:xfrm>
             <a:off x="461681" y="1259057"/>
-            <a:ext cx="11268635" cy="2120068"/>
+            <a:ext cx="11268635" cy="2223942"/>
           </a:xfrm>
           <a:prstGeom prst="rect">
             <a:avLst/>
@@ -4798,10 +5005,12 @@
           </a:bodyPr>
           <a:lstStyle/>
           <a:p>
-            <a:pPr algn="just">
+            <a:pPr marL="285750" indent="-285750" algn="just">
               <a:lnSpc>
-                <a:spcPct val="150000"/>
+                <a:spcPct val="200000"/>
               </a:lnSpc>
+              <a:buFont typeface="Wingdings" panose="05000000000000000000" pitchFamily="2" charset="2"/>
+              <a:buChar char="Ø"/>
             </a:pPr>
             <a:r>
               <a:rPr lang="en-US" b="0" i="0" dirty="0">
@@ -4809,7 +5018,54 @@
                 <a:latin typeface="Times New Roman" panose="02020603050405020304" pitchFamily="18" charset="0"/>
                 <a:cs typeface="Times New Roman" panose="02020603050405020304" pitchFamily="18" charset="0"/>
               </a:rPr>
-              <a:t>In the proposed system using Teachable Machine, the process is simplified and made more accessible to users without technical expertise. Teachable Machine is a web-based tool developed by Google that allows users to easily train machine learning models without the need for coding knowledge. In this system, users can upload their own facial images, label them accordingly (e.g. employee, visitor, intruder), and train the machine learning model to recognize these different categories.</a:t>
+              <a:t> An AI-based security alert system using face recognition and message generation would involve using facial recognition technology to identify individuals in a </a:t>
+            </a:r>
+            <a:r>
+              <a:rPr lang="en-US" dirty="0">
+                <a:latin typeface="Times New Roman" panose="02020603050405020304" pitchFamily="18" charset="0"/>
+                <a:cs typeface="Times New Roman" panose="02020603050405020304" pitchFamily="18" charset="0"/>
+              </a:rPr>
+              <a:t>specific </a:t>
+            </a:r>
+            <a:r>
+              <a:rPr lang="en-US" b="0" i="0" dirty="0">
+                <a:effectLst/>
+                <a:latin typeface="Times New Roman" panose="02020603050405020304" pitchFamily="18" charset="0"/>
+                <a:cs typeface="Times New Roman" panose="02020603050405020304" pitchFamily="18" charset="0"/>
+              </a:rPr>
+              <a:t>area.</a:t>
+            </a:r>
+          </a:p>
+          <a:p>
+            <a:pPr marL="285750" indent="-285750" algn="just">
+              <a:lnSpc>
+                <a:spcPct val="200000"/>
+              </a:lnSpc>
+              <a:buFont typeface="Wingdings" panose="05000000000000000000" pitchFamily="2" charset="2"/>
+              <a:buChar char="Ø"/>
+            </a:pPr>
+            <a:r>
+              <a:rPr lang="en-US" b="0" i="0" dirty="0">
+                <a:effectLst/>
+                <a:latin typeface="Times New Roman" panose="02020603050405020304" pitchFamily="18" charset="0"/>
+                <a:cs typeface="Times New Roman" panose="02020603050405020304" pitchFamily="18" charset="0"/>
+              </a:rPr>
+              <a:t> When an unauthorized person is detected, the system would automatically generate a security alert message that would be sent to e</a:t>
+            </a:r>
+            <a:r>
+              <a:rPr lang="en-US" dirty="0">
+                <a:latin typeface="Times New Roman" panose="02020603050405020304" pitchFamily="18" charset="0"/>
+                <a:cs typeface="Times New Roman" panose="02020603050405020304" pitchFamily="18" charset="0"/>
+              </a:rPr>
+              <a:t>- commerce application</a:t>
+            </a:r>
+            <a:r>
+              <a:rPr lang="en-US" b="0" i="0" dirty="0">
+                <a:effectLst/>
+                <a:latin typeface="Times New Roman" panose="02020603050405020304" pitchFamily="18" charset="0"/>
+                <a:cs typeface="Times New Roman" panose="02020603050405020304" pitchFamily="18" charset="0"/>
+              </a:rPr>
+              <a:t> or security officials.</a:t>
             </a:r>
           </a:p>
         </p:txBody>
@@ -4884,49 +5140,51 @@
           </a:bodyPr>
           <a:lstStyle/>
           <a:p>
-            <a:pPr marL="342900" indent="-342900" algn="just">
+            <a:pPr marL="285750" indent="-285750" algn="just">
               <a:lnSpc>
-                <a:spcPct val="150000"/>
+                <a:spcPct val="200000"/>
               </a:lnSpc>
-              <a:buAutoNum type="arabicPeriod"/>
+              <a:buFont typeface="Wingdings" panose="05000000000000000000" pitchFamily="2" charset="2"/>
+              <a:buChar char="Ø"/>
             </a:pPr>
             <a:r>
-              <a:rPr lang="en-US" b="1" dirty="0">
+              <a:rPr lang="en-US" dirty="0">
                 <a:latin typeface="Times New Roman" panose="02020603050405020304" pitchFamily="18" charset="0"/>
                 <a:cs typeface="Times New Roman" panose="02020603050405020304" pitchFamily="18" charset="0"/>
               </a:rPr>
-              <a:t>Simplified training process: </a:t>
-            </a:r>
-            <a:r>
-              <a:rPr lang="en-US" b="0" i="0" dirty="0">
-                <a:effectLst/>
+              <a:t>Improved Security</a:t>
+            </a:r>
+          </a:p>
+          <a:p>
+            <a:pPr marL="285750" indent="-285750" algn="just">
+              <a:lnSpc>
+                <a:spcPct val="200000"/>
+              </a:lnSpc>
+              <a:buFont typeface="Wingdings" panose="05000000000000000000" pitchFamily="2" charset="2"/>
+              <a:buChar char="Ø"/>
+            </a:pPr>
+            <a:r>
+              <a:rPr lang="en-US" dirty="0">
                 <a:latin typeface="Times New Roman" panose="02020603050405020304" pitchFamily="18" charset="0"/>
                 <a:cs typeface="Times New Roman" panose="02020603050405020304" pitchFamily="18" charset="0"/>
               </a:rPr>
-              <a:t>Users can easily train the model by providing examples of different categories without the need for complex coding or machine learning algorithms.</a:t>
-            </a:r>
-          </a:p>
-          <a:p>
-            <a:pPr marL="342900" indent="-342900" algn="just">
+              <a:t>Quick Response</a:t>
+            </a:r>
+          </a:p>
+          <a:p>
+            <a:pPr marL="285750" indent="-285750" algn="just">
               <a:lnSpc>
-                <a:spcPct val="150000"/>
+                <a:spcPct val="200000"/>
               </a:lnSpc>
-              <a:buAutoNum type="arabicPeriod"/>
+              <a:buFont typeface="Wingdings" panose="05000000000000000000" pitchFamily="2" charset="2"/>
+              <a:buChar char="Ø"/>
             </a:pPr>
             <a:r>
-              <a:rPr lang="en-US" b="1" dirty="0">
+              <a:rPr lang="en-US" dirty="0">
                 <a:latin typeface="Times New Roman" panose="02020603050405020304" pitchFamily="18" charset="0"/>
                 <a:cs typeface="Times New Roman" panose="02020603050405020304" pitchFamily="18" charset="0"/>
               </a:rPr>
-              <a:t> Real-time facial recognition: </a:t>
-            </a:r>
-            <a:r>
-              <a:rPr lang="en-US" b="0" i="0" dirty="0">
-                <a:effectLst/>
-                <a:latin typeface="Times New Roman" panose="02020603050405020304" pitchFamily="18" charset="0"/>
-                <a:cs typeface="Times New Roman" panose="02020603050405020304" pitchFamily="18" charset="0"/>
-              </a:rPr>
-              <a:t>The trained model can be deployed in a real-time system that can quickly identify individuals based on their facial features.</a:t>
+              <a:t>Reduced Human Error</a:t>
             </a:r>
           </a:p>
         </p:txBody>
@@ -5076,6 +5334,12 @@
           <a:p>
             <a:r>
               <a:rPr lang="en-US" dirty="0"/>
+              <a:t># color images </a:t>
+            </a:r>
+          </a:p>
+          <a:p>
+            <a:r>
+              <a:rPr lang="en-US" dirty="0"/>
               <a:t>import cv2</a:t>
             </a:r>
           </a:p>
@@ -5086,7 +5350,7 @@
             </a:r>
             <a:r>
               <a:rPr lang="en-US" dirty="0" err="1"/>
-              <a:t>pywhatkit</a:t>
+              <a:t>os</a:t>
             </a:r>
             <a:endParaRPr lang="en-US" dirty="0"/>
           </a:p>
@@ -5097,50 +5361,154 @@
             </a:r>
             <a:r>
               <a:rPr lang="en-US" dirty="0" err="1"/>
-              <a:t>numpy</a:t>
-            </a:r>
+              <a:t>face_recognition</a:t>
+            </a:r>
+            <a:endParaRPr lang="en-US" dirty="0"/>
+          </a:p>
+          <a:p>
             <a:r>
               <a:rPr lang="en-US" dirty="0"/>
-              <a:t> as np</a:t>
+              <a:t># Open the video capture</a:t>
             </a:r>
           </a:p>
           <a:p>
             <a:r>
               <a:rPr lang="en-US" dirty="0"/>
-              <a:t>from </a:t>
+              <a:t>video = cv2.VideoCapture(0)</a:t>
+            </a:r>
+          </a:p>
+          <a:p>
+            <a:r>
+              <a:rPr lang="en-US" dirty="0"/>
+              <a:t># Load the face detection classifier (not used in </a:t>
             </a:r>
             <a:r>
               <a:rPr lang="en-US" dirty="0" err="1"/>
-              <a:t>tensorflow.keras.models</a:t>
+              <a:t>face_recognition</a:t>
             </a:r>
             <a:r>
               <a:rPr lang="en-US" dirty="0"/>
-              <a:t> import </a:t>
+              <a:t>)</a:t>
+            </a:r>
+          </a:p>
+          <a:p>
+            <a:r>
+              <a:rPr lang="en-US" dirty="0"/>
+              <a:t># </a:t>
             </a:r>
             <a:r>
               <a:rPr lang="en-US" dirty="0" err="1"/>
-              <a:t>load_model</a:t>
-            </a:r>
-            <a:endParaRPr lang="en-US" dirty="0"/>
-          </a:p>
-          <a:p>
+              <a:t>facedetect</a:t>
+            </a:r>
             <a:r>
               <a:rPr lang="en-US" dirty="0"/>
-              <a:t># Load the pre-trained </a:t>
-            </a:r>
+              <a:t> = cv2.CascadeClassifier("haarcascade_frontalface_default.xml")</a:t>
+            </a:r>
+          </a:p>
+          <a:p>
+            <a:r>
+              <a:rPr lang="en-US" dirty="0"/>
+              <a:t># Get user ID</a:t>
+            </a:r>
+          </a:p>
+          <a:p>
+            <a:r>
+              <a:rPr lang="en-US" dirty="0"/>
+              <a:t>id = input("Enter Your ID: ")</a:t>
+            </a:r>
+          </a:p>
+          <a:p>
+            <a:r>
+              <a:rPr lang="en-US" dirty="0"/>
+              <a:t># Create a directory for the person (if it doesn't exist)</a:t>
+            </a:r>
+          </a:p>
+          <a:p>
             <a:r>
               <a:rPr lang="en-US" dirty="0" err="1"/>
-              <a:t>Keras</a:t>
+              <a:t>person_dir</a:t>
             </a:r>
             <a:r>
               <a:rPr lang="en-US" dirty="0"/>
-              <a:t> model and labels</a:t>
+              <a:t> = 'DATASET/' + str(id)</a:t>
             </a:r>
           </a:p>
           <a:p>
             <a:r>
               <a:rPr lang="en-US" dirty="0" err="1"/>
-              <a:t>model_path</a:t>
+              <a:t>os.makedirs</a:t>
+            </a:r>
+            <a:r>
+              <a:rPr lang="en-US" dirty="0"/>
+              <a:t>(</a:t>
+            </a:r>
+            <a:r>
+              <a:rPr lang="en-US" dirty="0" err="1"/>
+              <a:t>person_dir</a:t>
+            </a:r>
+            <a:r>
+              <a:rPr lang="en-US" dirty="0"/>
+              <a:t>, </a:t>
+            </a:r>
+            <a:r>
+              <a:rPr lang="en-US" dirty="0" err="1"/>
+              <a:t>exist_ok</a:t>
+            </a:r>
+            <a:r>
+              <a:rPr lang="en-US" dirty="0"/>
+              <a:t>=True)</a:t>
+            </a:r>
+          </a:p>
+          <a:p>
+            <a:r>
+              <a:rPr lang="en-US" dirty="0"/>
+              <a:t>count = 1</a:t>
+            </a:r>
+          </a:p>
+          <a:p>
+            <a:r>
+              <a:rPr lang="en-US" dirty="0"/>
+              <a:t>while True:   </a:t>
+            </a:r>
+          </a:p>
+          <a:p>
+            <a:r>
+              <a:rPr lang="en-US" dirty="0"/>
+              <a:t># Read a frame from the video</a:t>
+            </a:r>
+          </a:p>
+          <a:p>
+            <a:r>
+              <a:rPr lang="en-US" dirty="0"/>
+              <a:t>ret, frame = </a:t>
+            </a:r>
+            <a:r>
+              <a:rPr lang="en-US" dirty="0" err="1"/>
+              <a:t>video.read</a:t>
+            </a:r>
+            <a:r>
+              <a:rPr lang="en-US" dirty="0"/>
+              <a:t>()    </a:t>
+            </a:r>
+          </a:p>
+          <a:p>
+            <a:r>
+              <a:rPr lang="en-US" dirty="0"/>
+              <a:t># Detect faces using </a:t>
+            </a:r>
+            <a:r>
+              <a:rPr lang="en-US" dirty="0" err="1"/>
+              <a:t>face_recognition</a:t>
+            </a:r>
+            <a:r>
+              <a:rPr lang="en-US" dirty="0"/>
+              <a:t> library </a:t>
+            </a:r>
+          </a:p>
+          <a:p>
+            <a:r>
+              <a:rPr lang="en-US" dirty="0" err="1"/>
+              <a:t>face_locations</a:t>
             </a:r>
             <a:r>
               <a:rPr lang="en-US" dirty="0"/>
@@ -5148,167 +5516,25 @@
             </a:r>
             <a:r>
               <a:rPr lang="en-US" dirty="0" err="1"/>
-              <a:t>r"C</a:t>
+              <a:t>face_recognition.face_locations</a:t>
             </a:r>
             <a:r>
               <a:rPr lang="en-US" dirty="0"/>
-              <a:t>:\Users\priyanka\OneDrive\Desktop\Domain project\final\keras_model.h5“</a:t>
-            </a:r>
-          </a:p>
-          <a:p>
+              <a:t>(frame)</a:t>
+            </a:r>
+          </a:p>
+          <a:p>
+            <a:r>
+              <a:rPr lang="en-US" dirty="0"/>
+              <a:t>for (top, right, bottom, left) in </a:t>
+            </a:r>
             <a:r>
               <a:rPr lang="en-US" dirty="0" err="1"/>
-              <a:t>label_path</a:t>
+              <a:t>face_locations</a:t>
             </a:r>
             <a:r>
               <a:rPr lang="en-US" dirty="0"/>
-              <a:t> = </a:t>
-            </a:r>
-            <a:r>
-              <a:rPr lang="en-US" dirty="0" err="1"/>
-              <a:t>r"C</a:t>
-            </a:r>
-            <a:r>
-              <a:rPr lang="en-US" dirty="0"/>
-              <a:t>:\Users\priyanka\OneDrive\Desktop\Domain project\final\labels.txt“</a:t>
-            </a:r>
-          </a:p>
-          <a:p>
-            <a:r>
-              <a:rPr lang="en-US" dirty="0"/>
-              <a:t>model = </a:t>
-            </a:r>
-            <a:r>
-              <a:rPr lang="en-US" dirty="0" err="1"/>
-              <a:t>load_model</a:t>
-            </a:r>
-            <a:r>
-              <a:rPr lang="en-US" dirty="0"/>
-              <a:t>(</a:t>
-            </a:r>
-            <a:r>
-              <a:rPr lang="en-US" dirty="0" err="1"/>
-              <a:t>model_path</a:t>
-            </a:r>
-            <a:r>
-              <a:rPr lang="en-US" dirty="0"/>
-              <a:t>)</a:t>
-            </a:r>
-          </a:p>
-          <a:p>
-            <a:r>
-              <a:rPr lang="en-US" dirty="0"/>
-              <a:t>with open(</a:t>
-            </a:r>
-            <a:r>
-              <a:rPr lang="en-US" dirty="0" err="1"/>
-              <a:t>label_path</a:t>
-            </a:r>
-            <a:r>
-              <a:rPr lang="en-US" dirty="0"/>
-              <a:t>, 'r') as f:</a:t>
-            </a:r>
-          </a:p>
-          <a:p>
-            <a:r>
-              <a:rPr lang="en-US" dirty="0"/>
-              <a:t>labels = </a:t>
-            </a:r>
-            <a:r>
-              <a:rPr lang="en-US" dirty="0" err="1"/>
-              <a:t>f.read</a:t>
-            </a:r>
-            <a:r>
-              <a:rPr lang="en-US" dirty="0"/>
-              <a:t>().</a:t>
-            </a:r>
-            <a:r>
-              <a:rPr lang="en-US" dirty="0" err="1"/>
-              <a:t>splitlines</a:t>
-            </a:r>
-            <a:r>
-              <a:rPr lang="en-US" dirty="0"/>
-              <a:t>()</a:t>
-            </a:r>
-          </a:p>
-          <a:p>
-            <a:r>
-              <a:rPr lang="en-US" dirty="0"/>
-              <a:t># Open a video capture object</a:t>
-            </a:r>
-          </a:p>
-          <a:p>
-            <a:r>
-              <a:rPr lang="en-US" dirty="0"/>
-              <a:t>cap = cv2.VideoCapture(0)  # You can replace 0 with the video file path if you want to process a video file</a:t>
-            </a:r>
-          </a:p>
-          <a:p>
-            <a:r>
-              <a:rPr lang="en-US" dirty="0"/>
-              <a:t># Set the resolution of the captured frame</a:t>
-            </a:r>
-          </a:p>
-          <a:p>
-            <a:r>
-              <a:rPr lang="en-US" dirty="0" err="1"/>
-              <a:t>cap.set</a:t>
-            </a:r>
-            <a:r>
-              <a:rPr lang="en-US" dirty="0"/>
-              <a:t>(cv2.CAP_PROP_FRAME_WIDTH, 1920)  # Set the width</a:t>
-            </a:r>
-          </a:p>
-          <a:p>
-            <a:r>
-              <a:rPr lang="en-US" dirty="0" err="1"/>
-              <a:t>cap.set</a:t>
-            </a:r>
-            <a:r>
-              <a:rPr lang="en-US" dirty="0"/>
-              <a:t>(cv2.CAP_PROP_FRAME_HEIGHT, 1080)  # Set the height</a:t>
-            </a:r>
-          </a:p>
-          <a:p>
-            <a:r>
-              <a:rPr lang="en-US" dirty="0"/>
-              <a:t> # Display the frame</a:t>
-            </a:r>
-          </a:p>
-          <a:p>
-            <a:r>
-              <a:rPr lang="en-US" dirty="0"/>
-              <a:t>cv2.imshow('Frame', frame)    </a:t>
-            </a:r>
-            <a:r>
-              <a:rPr lang="en-US" dirty="0" err="1"/>
-              <a:t>pywhatkit.sendwhatmsg</a:t>
-            </a:r>
-            <a:r>
-              <a:rPr lang="en-US" dirty="0"/>
-              <a:t>("+918297709845", "This face is not in database!",20,53)   </a:t>
-            </a:r>
-          </a:p>
-          <a:p>
-            <a:r>
-              <a:rPr lang="en-US" dirty="0"/>
-              <a:t> # Release the video capture object and close all windows</a:t>
-            </a:r>
-          </a:p>
-          <a:p>
-            <a:r>
-              <a:rPr lang="en-US" dirty="0" err="1"/>
-              <a:t>cap.release</a:t>
-            </a:r>
-            <a:r>
-              <a:rPr lang="en-US" dirty="0"/>
-              <a:t>()</a:t>
-            </a:r>
-          </a:p>
-          <a:p>
-            <a:r>
-              <a:rPr lang="en-US" dirty="0"/>
-              <a:t>cv2.destroyAllWindows()</a:t>
+              <a:t>:</a:t>
             </a:r>
           </a:p>
         </p:txBody>
@@ -5327,6 +5553,72 @@
 </file>
 
 <file path=ppt/slides/slide8.xml><?xml version="1.0" encoding="utf-8"?>
+<p:sld xmlns:a="http://schemas.openxmlformats.org/drawingml/2006/main" xmlns:r="http://schemas.openxmlformats.org/officeDocument/2006/relationships" xmlns:p="http://schemas.openxmlformats.org/presentationml/2006/main">
+  <p:cSld>
+    <p:spTree>
+      <p:nvGrpSpPr>
+        <p:cNvPr id="1" name=""/>
+        <p:cNvGrpSpPr/>
+        <p:nvPr/>
+      </p:nvGrpSpPr>
+      <p:grpSpPr>
+        <a:xfrm>
+          <a:off x="0" y="0"/>
+          <a:ext cx="0" cy="0"/>
+          <a:chOff x="0" y="0"/>
+          <a:chExt cx="0" cy="0"/>
+        </a:xfrm>
+      </p:grpSpPr>
+      <p:pic>
+        <p:nvPicPr>
+          <p:cNvPr id="2" name="Content Placeholder 3">
+            <a:extLst>
+              <a:ext uri="{FF2B5EF4-FFF2-40B4-BE49-F238E27FC236}">
+                <a16:creationId xmlns:a16="http://schemas.microsoft.com/office/drawing/2014/main" id="{148DBABA-CACA-BD9A-3F8B-1EC34910E438}"/>
+              </a:ext>
+            </a:extLst>
+          </p:cNvPr>
+          <p:cNvPicPr>
+            <a:picLocks noChangeAspect="1"/>
+          </p:cNvPicPr>
+          <p:nvPr/>
+        </p:nvPicPr>
+        <p:blipFill>
+          <a:blip r:embed="rId2">
+            <a:extLst>
+              <a:ext uri="{28A0092B-C50C-407E-A947-70E740481C1C}">
+                <a14:useLocalDpi xmlns:a14="http://schemas.microsoft.com/office/drawing/2010/main" val="0"/>
+              </a:ext>
+            </a:extLst>
+          </a:blip>
+          <a:stretch>
+            <a:fillRect/>
+          </a:stretch>
+        </p:blipFill>
+        <p:spPr>
+          <a:xfrm>
+            <a:off x="3647794" y="1375755"/>
+            <a:ext cx="4752975" cy="3924300"/>
+          </a:xfrm>
+          <a:prstGeom prst="rect">
+            <a:avLst/>
+          </a:prstGeom>
+        </p:spPr>
+      </p:pic>
+    </p:spTree>
+    <p:extLst>
+      <p:ext uri="{BB962C8B-B14F-4D97-AF65-F5344CB8AC3E}">
+        <p14:creationId xmlns:p14="http://schemas.microsoft.com/office/powerpoint/2010/main" val="2732097813"/>
+      </p:ext>
+    </p:extLst>
+  </p:cSld>
+  <p:clrMapOvr>
+    <a:masterClrMapping/>
+  </p:clrMapOvr>
+</p:sld>
+</file>
+
+<file path=ppt/slides/slide9.xml><?xml version="1.0" encoding="utf-8"?>
 <p:sld xmlns:a="http://schemas.openxmlformats.org/drawingml/2006/main" xmlns:r="http://schemas.openxmlformats.org/officeDocument/2006/relationships" xmlns:p="http://schemas.openxmlformats.org/presentationml/2006/main">
   <p:cSld>
     <p:spTree>
@@ -5426,122 +5718,6 @@
     <p:extLst>
       <p:ext uri="{BB962C8B-B14F-4D97-AF65-F5344CB8AC3E}">
         <p14:creationId xmlns:p14="http://schemas.microsoft.com/office/powerpoint/2010/main" val="2037578710"/>
-      </p:ext>
-    </p:extLst>
-  </p:cSld>
-  <p:clrMapOvr>
-    <a:masterClrMapping/>
-  </p:clrMapOvr>
-</p:sld>
-</file>
-
-<file path=ppt/slides/slide9.xml><?xml version="1.0" encoding="utf-8"?>
-<p:sld xmlns:a="http://schemas.openxmlformats.org/drawingml/2006/main" xmlns:r="http://schemas.openxmlformats.org/officeDocument/2006/relationships" xmlns:p="http://schemas.openxmlformats.org/presentationml/2006/main">
-  <p:cSld>
-    <p:spTree>
-      <p:nvGrpSpPr>
-        <p:cNvPr id="1" name=""/>
-        <p:cNvGrpSpPr/>
-        <p:nvPr/>
-      </p:nvGrpSpPr>
-      <p:grpSpPr>
-        <a:xfrm>
-          <a:off x="0" y="0"/>
-          <a:ext cx="0" cy="0"/>
-          <a:chOff x="0" y="0"/>
-          <a:chExt cx="0" cy="0"/>
-        </a:xfrm>
-      </p:grpSpPr>
-      <p:sp>
-        <p:nvSpPr>
-          <p:cNvPr id="5" name="TextBox 4">
-            <a:extLst>
-              <a:ext uri="{FF2B5EF4-FFF2-40B4-BE49-F238E27FC236}">
-                <a16:creationId xmlns:a16="http://schemas.microsoft.com/office/drawing/2014/main" id="{6B69E958-05D6-EB01-13EA-001A9D884F8D}"/>
-              </a:ext>
-            </a:extLst>
-          </p:cNvPr>
-          <p:cNvSpPr txBox="1"/>
-          <p:nvPr/>
-        </p:nvSpPr>
-        <p:spPr>
-          <a:xfrm>
-            <a:off x="421341" y="2059096"/>
-            <a:ext cx="11349318" cy="2957861"/>
-          </a:xfrm>
-          <a:prstGeom prst="rect">
-            <a:avLst/>
-          </a:prstGeom>
-          <a:noFill/>
-        </p:spPr>
-        <p:txBody>
-          <a:bodyPr wrap="square">
-            <a:spAutoFit/>
-          </a:bodyPr>
-          <a:lstStyle/>
-          <a:p>
-            <a:pPr algn="just">
-              <a:lnSpc>
-                <a:spcPct val="150000"/>
-              </a:lnSpc>
-            </a:pPr>
-            <a:r>
-              <a:rPr lang="en-US" dirty="0">
-                <a:latin typeface="Times New Roman" panose="02020603050405020304" pitchFamily="18" charset="0"/>
-                <a:cs typeface="Times New Roman" panose="02020603050405020304" pitchFamily="18" charset="0"/>
-              </a:rPr>
-              <a:t>In conclusion, the facial security alert system using Teachable Machine has proven to be an effective and efficient method for monitoring and identifying individuals in various security scenarios. The system's ability to accurately recognize faces and issue alerts in real-time has the potential to greatly enhance security measures in public spaces, residential complexes, and other environments where facial recognition technology is needed. With further advancements in machine learning and image recognition technology, this system can be continuously improved to provide even more reliable and robust security solutions. Overall, the facial security alert system using Teachable Machine shows great promise in ensuring safety and security in various settings.</a:t>
-            </a:r>
-          </a:p>
-        </p:txBody>
-      </p:sp>
-      <p:sp>
-        <p:nvSpPr>
-          <p:cNvPr id="9" name="Title 1">
-            <a:extLst>
-              <a:ext uri="{FF2B5EF4-FFF2-40B4-BE49-F238E27FC236}">
-                <a16:creationId xmlns:a16="http://schemas.microsoft.com/office/drawing/2014/main" id="{9DE7DF26-ACB0-CAE8-A630-1D804295F6AC}"/>
-              </a:ext>
-            </a:extLst>
-          </p:cNvPr>
-          <p:cNvSpPr>
-            <a:spLocks noGrp="1"/>
-          </p:cNvSpPr>
-          <p:nvPr>
-            <p:ph type="title"/>
-          </p:nvPr>
-        </p:nvSpPr>
-        <p:spPr>
-          <a:xfrm>
-            <a:off x="0" y="-98621"/>
-            <a:ext cx="12192000" cy="3086918"/>
-          </a:xfrm>
-        </p:spPr>
-        <p:txBody>
-          <a:bodyPr>
-            <a:normAutofit/>
-          </a:bodyPr>
-          <a:lstStyle/>
-          <a:p>
-            <a:pPr algn="ctr"/>
-            <a:r>
-              <a:rPr lang="en-US" sz="3000" b="1" dirty="0">
-                <a:latin typeface="Times New Roman" panose="02020603050405020304" pitchFamily="18" charset="0"/>
-                <a:cs typeface="Times New Roman" panose="02020603050405020304" pitchFamily="18" charset="0"/>
-              </a:rPr>
-              <a:t>CONCLUSION</a:t>
-            </a:r>
-            <a:endParaRPr lang="en-IN" sz="3000" b="1" dirty="0">
-              <a:latin typeface="Times New Roman" panose="02020603050405020304" pitchFamily="18" charset="0"/>
-              <a:cs typeface="Times New Roman" panose="02020603050405020304" pitchFamily="18" charset="0"/>
-            </a:endParaRPr>
-          </a:p>
-        </p:txBody>
-      </p:sp>
-    </p:spTree>
-    <p:extLst>
-      <p:ext uri="{BB962C8B-B14F-4D97-AF65-F5344CB8AC3E}">
-        <p14:creationId xmlns:p14="http://schemas.microsoft.com/office/powerpoint/2010/main" val="1027616094"/>
       </p:ext>
     </p:extLst>
   </p:cSld>
